--- a/files/klwp.pptx
+++ b/files/klwp.pptx
@@ -268,95 +268,10 @@
       </p15:sldGuideLst>
     </p:ext>
     <p:ext uri="http://customooxmlschemas.google.com/">
-      <go:slidesCustomData xmlns="" xmlns:mc="http://schemas.openxmlformats.org/markup-compatibility/2006" xmlns:mv="urn:schemas-microsoft-com:mac:vml" xmlns:c="http://schemas.openxmlformats.org/drawingml/2006/chart" xmlns:dgm="http://schemas.openxmlformats.org/drawingml/2006/diagram" xmlns:o="urn:schemas-microsoft-com:office:office" xmlns:v="urn:schemas-microsoft-com:vml" xmlns:pvml="urn:schemas-microsoft-com:office:powerpoint" xmlns:com="http://schemas.openxmlformats.org/drawingml/2006/compatibility" xmlns:p14="http://schemas.microsoft.com/office/powerpoint/2010/main" xmlns:p15="http://schemas.microsoft.com/office/powerpoint/2012/main" xmlns:ahyp="http://schemas.microsoft.com/office/drawing/2018/hyperlinkcolor" xmlns:go="http://customooxmlschemas.google.com/" r:id="rId18" roundtripDataSignature="AMtx7mg1tv4P3XocT4jYQJG4lknm6uJU3A=="/>
+      <go:slidesCustomData xmlns:go="http://customooxmlschemas.google.com/" xmlns:ahyp="http://schemas.microsoft.com/office/drawing/2018/hyperlinkcolor" xmlns:p15="http://schemas.microsoft.com/office/powerpoint/2012/main" xmlns:p14="http://schemas.microsoft.com/office/powerpoint/2010/main" xmlns:com="http://schemas.openxmlformats.org/drawingml/2006/compatibility" xmlns:pvml="urn:schemas-microsoft-com:office:powerpoint" xmlns:v="urn:schemas-microsoft-com:vml" xmlns:o="urn:schemas-microsoft-com:office:office" xmlns:dgm="http://schemas.openxmlformats.org/drawingml/2006/diagram" xmlns:c="http://schemas.openxmlformats.org/drawingml/2006/chart" xmlns:mv="urn:schemas-microsoft-com:mac:vml" xmlns:mc="http://schemas.openxmlformats.org/markup-compatibility/2006" xmlns="" r:id="rId18" roundtripDataSignature="AMtx7mg1tv4P3XocT4jYQJG4lknm6uJU3A=="/>
     </p:ext>
   </p:extLst>
 </p:presentation>
-</file>
-
-<file path=ppt/revisionInfo.xml><?xml version="1.0" encoding="utf-8"?>
-<p1510:revInfo xmlns:a="http://schemas.openxmlformats.org/drawingml/2006/main" xmlns:r="http://schemas.openxmlformats.org/officeDocument/2006/relationships" xmlns:p1510="http://schemas.microsoft.com/office/powerpoint/2015/10/main">
-  <p1510:revLst>
-    <p1510:client id="{F152B368-1792-440E-B7EF-8F92757752D1}" v="20" dt="2021-06-13T02:13:50.639"/>
-  </p1510:revLst>
-</p1510:revInfo>
-</file>
-
-<file path=ppt/changesInfos/changesInfo1.xml><?xml version="1.0" encoding="utf-8"?>
-<pc:chgInfo xmlns:a="http://schemas.openxmlformats.org/drawingml/2006/main" xmlns:r="http://schemas.openxmlformats.org/officeDocument/2006/relationships" xmlns:ac="http://schemas.microsoft.com/office/drawing/2013/main/command" xmlns:pc="http://schemas.microsoft.com/office/powerpoint/2013/main/command">
-  <pc:docChgLst>
-    <pc:chgData name="浅 时光" userId="1ce6d7148fde6d7d" providerId="Windows Live" clId="Web-{F152B368-1792-440E-B7EF-8F92757752D1}"/>
-    <pc:docChg chg="modSld">
-      <pc:chgData name="浅 时光" userId="1ce6d7148fde6d7d" providerId="Windows Live" clId="Web-{F152B368-1792-440E-B7EF-8F92757752D1}" dt="2021-06-13T02:13:50.639" v="19" actId="1076"/>
-      <pc:docMkLst>
-        <pc:docMk/>
-      </pc:docMkLst>
-      <pc:sldChg chg="addSp delSp modSp">
-        <pc:chgData name="浅 时光" userId="1ce6d7148fde6d7d" providerId="Windows Live" clId="Web-{F152B368-1792-440E-B7EF-8F92757752D1}" dt="2021-06-13T02:13:50.639" v="19" actId="1076"/>
-        <pc:sldMkLst>
-          <pc:docMk/>
-          <pc:sldMk cId="0" sldId="256"/>
-        </pc:sldMkLst>
-        <pc:spChg chg="add del mod">
-          <ac:chgData name="浅 时光" userId="1ce6d7148fde6d7d" providerId="Windows Live" clId="Web-{F152B368-1792-440E-B7EF-8F92757752D1}" dt="2021-06-13T02:12:34.340" v="3"/>
-          <ac:spMkLst>
-            <pc:docMk/>
-            <pc:sldMk cId="0" sldId="256"/>
-            <ac:spMk id="2" creationId="{BABAB6B9-0796-4E60-BAAD-AAFC664C02A2}"/>
-          </ac:spMkLst>
-        </pc:spChg>
-        <pc:spChg chg="add mod">
-          <ac:chgData name="浅 时光" userId="1ce6d7148fde6d7d" providerId="Windows Live" clId="Web-{F152B368-1792-440E-B7EF-8F92757752D1}" dt="2021-06-13T02:13:32.092" v="16" actId="20577"/>
-          <ac:spMkLst>
-            <pc:docMk/>
-            <pc:sldMk cId="0" sldId="256"/>
-            <ac:spMk id="4" creationId="{3D1551CC-C37A-4EC0-B4F0-0467C4D60A84}"/>
-          </ac:spMkLst>
-        </pc:spChg>
-        <pc:spChg chg="add del mod">
-          <ac:chgData name="浅 时光" userId="1ce6d7148fde6d7d" providerId="Windows Live" clId="Web-{F152B368-1792-440E-B7EF-8F92757752D1}" dt="2021-06-13T02:13:34.529" v="17"/>
-          <ac:spMkLst>
-            <pc:docMk/>
-            <pc:sldMk cId="0" sldId="256"/>
-            <ac:spMk id="15" creationId="{33D8101C-C62F-4AB8-8FF6-90543EF783C4}"/>
-          </ac:spMkLst>
-        </pc:spChg>
-        <pc:spChg chg="add mod">
-          <ac:chgData name="浅 时光" userId="1ce6d7148fde6d7d" providerId="Windows Live" clId="Web-{F152B368-1792-440E-B7EF-8F92757752D1}" dt="2021-06-13T02:13:50.639" v="19" actId="1076"/>
-          <ac:spMkLst>
-            <pc:docMk/>
-            <pc:sldMk cId="0" sldId="256"/>
-            <ac:spMk id="16" creationId="{832F2D68-47E3-438E-8758-01AC519A5AA7}"/>
-          </ac:spMkLst>
-        </pc:spChg>
-        <pc:spChg chg="add del mod">
-          <ac:chgData name="浅 时光" userId="1ce6d7148fde6d7d" providerId="Windows Live" clId="Web-{F152B368-1792-440E-B7EF-8F92757752D1}" dt="2021-06-13T02:13:39.029" v="18"/>
-          <ac:spMkLst>
-            <pc:docMk/>
-            <pc:sldMk cId="0" sldId="256"/>
-            <ac:spMk id="17" creationId="{7EFF3BCC-2674-467B-9A52-0A7F07D09F30}"/>
-          </ac:spMkLst>
-        </pc:spChg>
-        <pc:spChg chg="add del">
-          <ac:chgData name="浅 时光" userId="1ce6d7148fde6d7d" providerId="Windows Live" clId="Web-{F152B368-1792-440E-B7EF-8F92757752D1}" dt="2021-06-13T02:12:55.919" v="6"/>
-          <ac:spMkLst>
-            <pc:docMk/>
-            <pc:sldMk cId="0" sldId="256"/>
-            <ac:spMk id="97" creationId="{00000000-0000-0000-0000-000000000000}"/>
-          </ac:spMkLst>
-        </pc:spChg>
-        <pc:spChg chg="del">
-          <ac:chgData name="浅 时光" userId="1ce6d7148fde6d7d" providerId="Windows Live" clId="Web-{F152B368-1792-440E-B7EF-8F92757752D1}" dt="2021-06-13T02:13:20.076" v="13"/>
-          <ac:spMkLst>
-            <pc:docMk/>
-            <pc:sldMk cId="0" sldId="256"/>
-            <ac:spMk id="102" creationId="{00000000-0000-0000-0000-000000000000}"/>
-          </ac:spMkLst>
-        </pc:spChg>
-      </pc:sldChg>
-    </pc:docChg>
-  </pc:docChgLst>
-</pc:chgInfo>
 </file>
 
 <file path=ppt/notesMasters/notesMaster1.xml><?xml version="1.0" encoding="utf-8"?>
@@ -17554,14 +17469,14 @@
               <a:buNone/>
             </a:pPr>
             <a:r>
-              <a:rPr lang="zh-CN" sz="2000" b="1">
+              <a:rPr lang="zh-CN" sz="2000" b="1" dirty="0">
                 <a:solidFill>
                   <a:srgbClr val="FFC104"/>
                 </a:solidFill>
               </a:rPr>
               <a:t>以下两种方法选一个</a:t>
             </a:r>
-            <a:endParaRPr sz="2000" b="1">
+            <a:endParaRPr sz="2000" b="1" dirty="0">
               <a:solidFill>
                 <a:srgbClr val="FFC104"/>
               </a:solidFill>
@@ -17578,14 +17493,14 @@
               <a:buNone/>
             </a:pPr>
             <a:r>
-              <a:rPr lang="zh-CN" sz="2000" b="1">
+              <a:rPr lang="zh-CN" sz="2000" b="1" dirty="0">
                 <a:solidFill>
                   <a:srgbClr val="FFC104"/>
                 </a:solidFill>
               </a:rPr>
               <a:t>开关在KLWP的全局变量</a:t>
             </a:r>
-            <a:endParaRPr sz="2000" b="1">
+            <a:endParaRPr sz="2000" b="1" dirty="0">
               <a:solidFill>
                 <a:srgbClr val="FFC104"/>
               </a:solidFill>
@@ -17606,14 +17521,14 @@
               <a:buAutoNum type="arabicPeriod"/>
             </a:pPr>
             <a:r>
-              <a:rPr lang="zh-CN" sz="2000" b="1">
+              <a:rPr lang="zh-CN" sz="2000" b="1" dirty="0">
                 <a:solidFill>
                   <a:srgbClr val="FFC104"/>
                 </a:solidFill>
               </a:rPr>
               <a:t>天气API：</a:t>
             </a:r>
-            <a:endParaRPr sz="2000" b="1">
+            <a:endParaRPr sz="2000" b="1" dirty="0">
               <a:solidFill>
                 <a:srgbClr val="7F7F7F"/>
               </a:solidFill>
@@ -17638,16 +17553,40 @@
               <a:buAutoNum type="alphaLcPeriod"/>
             </a:pPr>
             <a:r>
-              <a:rPr lang="zh-CN" sz="1800" b="1">
+              <a:rPr lang="zh-CN" sz="1800" b="1" dirty="0">
                 <a:solidFill>
                   <a:srgbClr val="7F7F7F"/>
                 </a:solidFill>
               </a:rPr>
-              <a:t>在百度查找你所在的城市ID</a:t>
+              <a:t>在</a:t>
             </a:r>
-            <a:endParaRPr sz="1800" b="1">
+            <a:r>
+              <a:rPr lang="zh-CN" sz="1800" b="1" dirty="0">
+                <a:solidFill>
+                  <a:srgbClr val="EB6715"/>
+                </a:solidFill>
+              </a:rPr>
+              <a:t>百度查找</a:t>
+            </a:r>
+            <a:r>
+              <a:rPr lang="zh-CN" sz="1800" b="1" dirty="0">
+                <a:solidFill>
+                  <a:srgbClr val="7F7F7F"/>
+                </a:solidFill>
+              </a:rPr>
+              <a:t>你所在的</a:t>
+            </a:r>
+            <a:r>
+              <a:rPr lang="zh-CN" sz="1800" b="1" dirty="0">
+                <a:solidFill>
+                  <a:srgbClr val="EB6715"/>
+                </a:solidFill>
+              </a:rPr>
+              <a:t>城市ID</a:t>
+            </a:r>
+            <a:endParaRPr sz="1800" b="1" dirty="0">
               <a:solidFill>
-                <a:srgbClr val="7F7F7F"/>
+                <a:srgbClr val="EB6715"/>
               </a:solidFill>
             </a:endParaRPr>
           </a:p>
@@ -17666,14 +17605,46 @@
               <a:buAutoNum type="alphaLcPeriod"/>
             </a:pPr>
             <a:r>
-              <a:rPr lang="zh-CN" sz="1800" b="1">
+              <a:rPr lang="zh-CN" sz="1800" b="1" dirty="0">
                 <a:solidFill>
                   <a:srgbClr val="7F7F7F"/>
                 </a:solidFill>
               </a:rPr>
-              <a:t>复制城市ID到全局变量的城市ID里</a:t>
+              <a:t>复制城市ID到全局变量的</a:t>
             </a:r>
-            <a:endParaRPr sz="1800" b="1">
+            <a:r>
+              <a:rPr lang="en-US" altLang="zh-CN" sz="1800" b="1" dirty="0">
+                <a:solidFill>
+                  <a:srgbClr val="7F7F7F"/>
+                </a:solidFill>
+              </a:rPr>
+              <a:t>【</a:t>
+            </a:r>
+            <a:r>
+              <a:rPr lang="zh-CN" sz="1800" b="1" dirty="0">
+                <a:solidFill>
+                  <a:srgbClr val="7F7F7F"/>
+                </a:solidFill>
+              </a:rPr>
+              <a:t>城市ID</a:t>
+            </a:r>
+            <a:r>
+              <a:rPr lang="en-US" altLang="zh-CN" sz="1800" b="1" dirty="0">
+                <a:solidFill>
+                  <a:srgbClr val="7F7F7F"/>
+                </a:solidFill>
+              </a:rPr>
+              <a:t>】</a:t>
+            </a:r>
+            <a:r>
+              <a:rPr lang="zh-CN" sz="1800" b="1" dirty="0">
+                <a:solidFill>
+                  <a:srgbClr val="7F7F7F"/>
+                </a:solidFill>
+              </a:rPr>
+              <a:t>里</a:t>
+            </a:r>
+            <a:endParaRPr sz="1800" b="1" dirty="0">
               <a:solidFill>
                 <a:srgbClr val="7F7F7F"/>
               </a:solidFill>
@@ -17694,14 +17665,14 @@
               <a:buAutoNum type="arabicPeriod"/>
             </a:pPr>
             <a:r>
-              <a:rPr lang="zh-CN" sz="2000" b="1">
+              <a:rPr lang="zh-CN" sz="2000" b="1" dirty="0">
                 <a:solidFill>
                   <a:srgbClr val="FFC000"/>
                 </a:solidFill>
               </a:rPr>
               <a:t>KLWP天气城市定位：</a:t>
             </a:r>
-            <a:endParaRPr sz="2000" b="1">
+            <a:endParaRPr sz="2000" b="1" dirty="0">
               <a:solidFill>
                 <a:srgbClr val="FFC000"/>
               </a:solidFill>
@@ -17722,14 +17693,50 @@
               <a:buAutoNum type="alphaLcPeriod"/>
             </a:pPr>
             <a:r>
-              <a:rPr lang="zh-CN" sz="1800" b="1">
+              <a:rPr lang="zh-CN" sz="1800" b="1" dirty="0">
                 <a:solidFill>
                   <a:srgbClr val="7F7F7F"/>
                 </a:solidFill>
               </a:rPr>
-              <a:t>打开GPS定位</a:t>
+              <a:t>打开</a:t>
             </a:r>
-            <a:endParaRPr sz="1800" b="1">
+            <a:r>
+              <a:rPr lang="zh-CN" sz="1800" b="1" dirty="0">
+                <a:solidFill>
+                  <a:srgbClr val="EB6715"/>
+                </a:solidFill>
+              </a:rPr>
+              <a:t>GPS定位</a:t>
+            </a:r>
+            <a:endParaRPr sz="1800" b="1" dirty="0">
+              <a:solidFill>
+                <a:srgbClr val="EB6715"/>
+              </a:solidFill>
+            </a:endParaRPr>
+          </a:p>
+          <a:p>
+            <a:pPr marL="914400" lvl="1" indent="-342900" algn="l" rtl="0">
+              <a:spcBef>
+                <a:spcPts val="0"/>
+              </a:spcBef>
+              <a:spcAft>
+                <a:spcPts val="0"/>
+              </a:spcAft>
+              <a:buClr>
+                <a:srgbClr val="7F7F7F"/>
+              </a:buClr>
+              <a:buSzPts val="1800"/>
+              <a:buAutoNum type="alphaLcPeriod"/>
+            </a:pPr>
+            <a:r>
+              <a:rPr lang="zh-CN" sz="1800" b="1" dirty="0">
+                <a:solidFill>
+                  <a:srgbClr val="7F7F7F"/>
+                </a:solidFill>
+              </a:rPr>
+              <a:t>KLWP设置打开【位置】</a:t>
+            </a:r>
+            <a:endParaRPr sz="1800" b="1" dirty="0">
               <a:solidFill>
                 <a:srgbClr val="7F7F7F"/>
               </a:solidFill>
@@ -17750,42 +17757,14 @@
               <a:buAutoNum type="alphaLcPeriod"/>
             </a:pPr>
             <a:r>
-              <a:rPr lang="zh-CN" sz="1800" b="1">
-                <a:solidFill>
-                  <a:srgbClr val="7F7F7F"/>
-                </a:solidFill>
-              </a:rPr>
-              <a:t>KLWP设置打开【位置】</a:t>
-            </a:r>
-            <a:endParaRPr sz="1800" b="1">
-              <a:solidFill>
-                <a:srgbClr val="7F7F7F"/>
-              </a:solidFill>
-            </a:endParaRPr>
-          </a:p>
-          <a:p>
-            <a:pPr marL="914400" lvl="1" indent="-342900" algn="l" rtl="0">
-              <a:spcBef>
-                <a:spcPts val="0"/>
-              </a:spcBef>
-              <a:spcAft>
-                <a:spcPts val="0"/>
-              </a:spcAft>
-              <a:buClr>
-                <a:srgbClr val="7F7F7F"/>
-              </a:buClr>
-              <a:buSzPts val="1800"/>
-              <a:buAutoNum type="alphaLcPeriod"/>
-            </a:pPr>
-            <a:r>
-              <a:rPr lang="zh-CN" sz="1800" b="1">
+              <a:rPr lang="zh-CN" sz="1800" b="1" dirty="0">
                 <a:solidFill>
                   <a:srgbClr val="7F7F7F"/>
                 </a:solidFill>
               </a:rPr>
               <a:t>打开【首要位置】,自动定位或者搜索,格式为【中国,北京】</a:t>
             </a:r>
-            <a:endParaRPr sz="1800" b="1">
+            <a:endParaRPr sz="1800" b="1" dirty="0">
               <a:solidFill>
                 <a:srgbClr val="7F7F7F"/>
               </a:solidFill>
@@ -18198,14 +18177,22 @@
                   <a:buNone/>
                 </a:pPr>
                 <a:r>
-                  <a:rPr lang="zh-CN" sz="3200" b="1">
+                  <a:rPr lang="zh-CN" altLang="en-US" sz="3200" b="1" dirty="0">
                     <a:solidFill>
                       <a:schemeClr val="lt1"/>
                     </a:solidFill>
                   </a:rPr>
-                  <a:t>主题自定义</a:t>
+                  <a:t>全局</a:t>
                 </a:r>
-                <a:endParaRPr/>
+                <a:r>
+                  <a:rPr lang="zh-CN" sz="3200" b="1" dirty="0">
+                    <a:solidFill>
+                      <a:schemeClr val="lt1"/>
+                    </a:solidFill>
+                  </a:rPr>
+                  <a:t>自定义</a:t>
+                </a:r>
+                <a:endParaRPr dirty="0"/>
               </a:p>
             </p:txBody>
           </p:sp>
@@ -18718,14 +18705,14 @@
                 <a:buNone/>
               </a:pPr>
               <a:r>
-                <a:rPr lang="zh-CN" sz="2000" b="1">
+                <a:rPr lang="zh-CN" sz="2000" b="1" dirty="0">
                   <a:solidFill>
                     <a:srgbClr val="FFC104"/>
                   </a:solidFill>
                 </a:rPr>
                 <a:t>打开KLWP的全局变量</a:t>
               </a:r>
-              <a:endParaRPr sz="2000" b="1">
+              <a:endParaRPr sz="2000" b="1" dirty="0">
                 <a:solidFill>
                   <a:srgbClr val="FFC104"/>
                 </a:solidFill>
@@ -18746,14 +18733,14 @@
                 <a:buAutoNum type="arabicPeriod"/>
               </a:pPr>
               <a:r>
-                <a:rPr lang="zh-CN" sz="2000" b="1">
+                <a:rPr lang="zh-CN" sz="2000" b="1" dirty="0">
                   <a:solidFill>
                     <a:srgbClr val="FFC104"/>
                   </a:solidFill>
                 </a:rPr>
                 <a:t>会看到【p1,p2】的位图</a:t>
               </a:r>
-              <a:endParaRPr sz="2000" b="1">
+              <a:endParaRPr sz="2000" b="1" dirty="0">
                 <a:solidFill>
                   <a:srgbClr val="7F7F7F"/>
                 </a:solidFill>
@@ -18778,14 +18765,14 @@
                 <a:buAutoNum type="alphaLcPeriod"/>
               </a:pPr>
               <a:r>
-                <a:rPr lang="zh-CN" sz="1800" b="1">
+                <a:rPr lang="zh-CN" sz="1800" b="1" dirty="0">
                   <a:solidFill>
                     <a:srgbClr val="7F7F7F"/>
                   </a:solidFill>
                 </a:rPr>
                 <a:t>点击【选择位图】</a:t>
               </a:r>
-              <a:endParaRPr sz="1800" b="1">
+              <a:endParaRPr sz="1800" b="1" dirty="0">
                 <a:solidFill>
                   <a:srgbClr val="7F7F7F"/>
                 </a:solidFill>
@@ -18810,14 +18797,14 @@
                 <a:buAutoNum type="alphaLcPeriod"/>
               </a:pPr>
               <a:r>
-                <a:rPr lang="zh-CN" sz="1800" b="1">
+                <a:rPr lang="zh-CN" sz="1800" b="1" dirty="0">
                   <a:solidFill>
                     <a:srgbClr val="7F7F7F"/>
                   </a:solidFill>
                 </a:rPr>
                 <a:t>找到你喜欢的壁纸</a:t>
               </a:r>
-              <a:endParaRPr sz="1800" b="1">
+              <a:endParaRPr sz="1800" b="1" dirty="0">
                 <a:solidFill>
                   <a:srgbClr val="7F7F7F"/>
                 </a:solidFill>
@@ -18838,14 +18825,30 @@
                 <a:buAutoNum type="alphaLcPeriod"/>
               </a:pPr>
               <a:r>
-                <a:rPr lang="zh-CN" sz="1800" b="1">
+                <a:rPr lang="zh-CN" sz="1800" b="1" dirty="0">
                   <a:solidFill>
                     <a:srgbClr val="7F7F7F"/>
                   </a:solidFill>
                 </a:rPr>
-                <a:t>保持即可</a:t>
+                <a:t>保</a:t>
               </a:r>
-              <a:endParaRPr sz="1800" b="1">
+              <a:r>
+                <a:rPr lang="zh-CN" altLang="en-US" sz="1800" b="1" dirty="0">
+                  <a:solidFill>
+                    <a:srgbClr val="7F7F7F"/>
+                  </a:solidFill>
+                </a:rPr>
+                <a:t>存</a:t>
+              </a:r>
+              <a:r>
+                <a:rPr lang="zh-CN" sz="1800" b="1" dirty="0">
+                  <a:solidFill>
+                    <a:srgbClr val="7F7F7F"/>
+                  </a:solidFill>
+                </a:rPr>
+                <a:t>即可</a:t>
+              </a:r>
+              <a:endParaRPr sz="1800" b="1" dirty="0">
                 <a:solidFill>
                   <a:srgbClr val="7F7F7F"/>
                 </a:solidFill>
@@ -18866,14 +18869,14 @@
                 <a:buChar char="●"/>
               </a:pPr>
               <a:r>
-                <a:rPr lang="zh-CN" sz="2000" b="1">
+                <a:rPr lang="zh-CN" sz="2000" b="1" dirty="0">
                   <a:solidFill>
                     <a:srgbClr val="FFC000"/>
                   </a:solidFill>
                 </a:rPr>
                 <a:t>注意</a:t>
               </a:r>
-              <a:endParaRPr sz="1800" b="1">
+              <a:endParaRPr sz="1800" b="1" dirty="0">
                 <a:solidFill>
                   <a:srgbClr val="7F7F7F"/>
                 </a:solidFill>
@@ -18898,14 +18901,14 @@
                 <a:buChar char="○"/>
               </a:pPr>
               <a:r>
-                <a:rPr lang="zh-CN" sz="1800" b="1">
+                <a:rPr lang="zh-CN" sz="1800" b="1" dirty="0">
                   <a:solidFill>
                     <a:srgbClr val="7F7F7F"/>
                   </a:solidFill>
                 </a:rPr>
                 <a:t>壁纸不建议太大,否则会壁纸会变全白</a:t>
               </a:r>
-              <a:endParaRPr sz="1800" b="1">
+              <a:endParaRPr sz="1800" b="1" dirty="0">
                 <a:solidFill>
                   <a:srgbClr val="7F7F7F"/>
                 </a:solidFill>
@@ -18921,7 +18924,7 @@
                 </a:spcAft>
                 <a:buNone/>
               </a:pPr>
-              <a:endParaRPr sz="1800" b="1">
+              <a:endParaRPr sz="1800" b="1" dirty="0">
                 <a:solidFill>
                   <a:srgbClr val="FFC000"/>
                 </a:solidFill>
@@ -20208,180 +20211,6 @@
           </p:txBody>
         </p:sp>
       </p:grpSp>
-      <p:grpSp>
-        <p:nvGrpSpPr>
-          <p:cNvPr id="132" name="Google Shape;132;p3"/>
-          <p:cNvGrpSpPr/>
-          <p:nvPr/>
-        </p:nvGrpSpPr>
-        <p:grpSpPr>
-          <a:xfrm>
-            <a:off x="4502150" y="666750"/>
-            <a:ext cx="4521200" cy="915988"/>
-            <a:chOff x="0" y="0"/>
-            <a:chExt cx="4521435" cy="916208"/>
-          </a:xfrm>
-        </p:grpSpPr>
-        <p:sp>
-          <p:nvSpPr>
-            <p:cNvPr id="133" name="Google Shape;133;p3"/>
-            <p:cNvSpPr/>
-            <p:nvPr/>
-          </p:nvSpPr>
-          <p:spPr>
-            <a:xfrm>
-              <a:off x="211914" y="93145"/>
-              <a:ext cx="2748407" cy="757953"/>
-            </a:xfrm>
-            <a:prstGeom prst="roundRect">
-              <a:avLst>
-                <a:gd name="adj" fmla="val 50000"/>
-              </a:avLst>
-            </a:prstGeom>
-            <a:gradFill>
-              <a:gsLst>
-                <a:gs pos="0">
-                  <a:srgbClr val="F54D64"/>
-                </a:gs>
-                <a:gs pos="85999">
-                  <a:srgbClr val="F62242"/>
-                </a:gs>
-                <a:gs pos="100000">
-                  <a:srgbClr val="F62242"/>
-                </a:gs>
-              </a:gsLst>
-              <a:lin ang="10800000" scaled="0"/>
-            </a:gradFill>
-            <a:ln>
-              <a:noFill/>
-            </a:ln>
-          </p:spPr>
-          <p:txBody>
-            <a:bodyPr spcFirstLastPara="1" wrap="square" lIns="91425" tIns="45700" rIns="91425" bIns="45700" anchor="ctr" anchorCtr="0">
-              <a:noAutofit/>
-            </a:bodyPr>
-            <a:lstStyle/>
-            <a:p>
-              <a:pPr marL="0" marR="0" lvl="0" indent="0" algn="ctr" rtl="0">
-                <a:spcBef>
-                  <a:spcPts val="0"/>
-                </a:spcBef>
-                <a:spcAft>
-                  <a:spcPts val="0"/>
-                </a:spcAft>
-                <a:buNone/>
-              </a:pPr>
-              <a:endParaRPr sz="1800">
-                <a:solidFill>
-                  <a:srgbClr val="FFFFFF"/>
-                </a:solidFill>
-                <a:latin typeface="Arial"/>
-                <a:ea typeface="Arial"/>
-                <a:cs typeface="Arial"/>
-                <a:sym typeface="Arial"/>
-              </a:endParaRPr>
-            </a:p>
-          </p:txBody>
-        </p:sp>
-        <p:sp>
-          <p:nvSpPr>
-            <p:cNvPr id="134" name="Google Shape;134;p3"/>
-            <p:cNvSpPr/>
-            <p:nvPr/>
-          </p:nvSpPr>
-          <p:spPr>
-            <a:xfrm>
-              <a:off x="0" y="0"/>
-              <a:ext cx="916208" cy="916208"/>
-            </a:xfrm>
-            <a:prstGeom prst="ellipse">
-              <a:avLst/>
-            </a:prstGeom>
-            <a:solidFill>
-              <a:schemeClr val="lt1"/>
-            </a:solidFill>
-            <a:ln>
-              <a:noFill/>
-            </a:ln>
-          </p:spPr>
-          <p:txBody>
-            <a:bodyPr spcFirstLastPara="1" wrap="square" lIns="91425" tIns="45700" rIns="91425" bIns="45700" anchor="ctr" anchorCtr="0">
-              <a:noAutofit/>
-            </a:bodyPr>
-            <a:lstStyle/>
-            <a:p>
-              <a:pPr marL="0" marR="0" lvl="0" indent="0" algn="ctr" rtl="0">
-                <a:spcBef>
-                  <a:spcPts val="0"/>
-                </a:spcBef>
-                <a:spcAft>
-                  <a:spcPts val="0"/>
-                </a:spcAft>
-                <a:buNone/>
-              </a:pPr>
-              <a:endParaRPr sz="1800">
-                <a:solidFill>
-                  <a:srgbClr val="FFFFFF"/>
-                </a:solidFill>
-                <a:latin typeface="Arial"/>
-                <a:ea typeface="Arial"/>
-                <a:cs typeface="Arial"/>
-                <a:sym typeface="Arial"/>
-              </a:endParaRPr>
-            </a:p>
-          </p:txBody>
-        </p:sp>
-        <p:sp>
-          <p:nvSpPr>
-            <p:cNvPr id="135" name="Google Shape;135;p3"/>
-            <p:cNvSpPr/>
-            <p:nvPr/>
-          </p:nvSpPr>
-          <p:spPr>
-            <a:xfrm>
-              <a:off x="943504" y="160246"/>
-              <a:ext cx="3577931" cy="584775"/>
-            </a:xfrm>
-            <a:prstGeom prst="rect">
-              <a:avLst/>
-            </a:prstGeom>
-            <a:noFill/>
-            <a:ln>
-              <a:noFill/>
-            </a:ln>
-          </p:spPr>
-          <p:txBody>
-            <a:bodyPr spcFirstLastPara="1" wrap="square" lIns="91425" tIns="45700" rIns="91425" bIns="45700" anchor="t" anchorCtr="0">
-              <a:spAutoFit/>
-            </a:bodyPr>
-            <a:lstStyle/>
-            <a:p>
-              <a:pPr marL="0" marR="0" lvl="0" indent="0" algn="l" rtl="0">
-                <a:spcBef>
-                  <a:spcPts val="0"/>
-                </a:spcBef>
-                <a:spcAft>
-                  <a:spcPts val="0"/>
-                </a:spcAft>
-                <a:buNone/>
-              </a:pPr>
-              <a:r>
-                <a:rPr lang="zh-CN" sz="3200" b="1">
-                  <a:solidFill>
-                    <a:schemeClr val="lt1"/>
-                  </a:solidFill>
-                  <a:latin typeface="Arial"/>
-                  <a:ea typeface="Arial"/>
-                  <a:cs typeface="Arial"/>
-                  <a:sym typeface="Arial"/>
-                </a:rPr>
-                <a:t>必备软件</a:t>
-              </a:r>
-              <a:endParaRPr/>
-            </a:p>
-          </p:txBody>
-        </p:sp>
-      </p:grpSp>
       <p:sp>
         <p:nvSpPr>
           <p:cNvPr id="136" name="Google Shape;136;p3"/>
@@ -20787,33 +20616,184 @@
           </a:p>
         </p:txBody>
       </p:sp>
-      <p:pic>
-        <p:nvPicPr>
-          <p:cNvPr id="141" name="Google Shape;141;p3"/>
-          <p:cNvPicPr preferRelativeResize="0"/>
+      <p:grpSp>
+        <p:nvGrpSpPr>
+          <p:cNvPr id="6" name="组合 5">
+            <a:extLst>
+              <a:ext uri="{FF2B5EF4-FFF2-40B4-BE49-F238E27FC236}">
+                <a16:creationId xmlns:a16="http://schemas.microsoft.com/office/drawing/2014/main" id="{47E20C11-E827-4C86-B941-B9D9F9224DB3}"/>
+              </a:ext>
+            </a:extLst>
+          </p:cNvPr>
+          <p:cNvGrpSpPr/>
           <p:nvPr/>
-        </p:nvPicPr>
-        <p:blipFill rotWithShape="1">
-          <a:blip r:embed="rId3">
-            <a:alphaModFix/>
-          </a:blip>
-          <a:srcRect/>
-          <a:stretch/>
-        </p:blipFill>
-        <p:spPr>
+        </p:nvGrpSpPr>
+        <p:grpSpPr>
           <a:xfrm>
-            <a:off x="4719638" y="990600"/>
-            <a:ext cx="476250" cy="341313"/>
+            <a:off x="4502150" y="666750"/>
+            <a:ext cx="2960167" cy="915988"/>
+            <a:chOff x="4502150" y="666750"/>
+            <a:chExt cx="2960167" cy="915988"/>
           </a:xfrm>
-          <a:prstGeom prst="rect">
-            <a:avLst/>
-          </a:prstGeom>
-          <a:noFill/>
-          <a:ln>
+        </p:grpSpPr>
+        <p:grpSp>
+          <p:nvGrpSpPr>
+            <p:cNvPr id="5" name="组合 4">
+              <a:extLst>
+                <a:ext uri="{FF2B5EF4-FFF2-40B4-BE49-F238E27FC236}">
+                  <a16:creationId xmlns:a16="http://schemas.microsoft.com/office/drawing/2014/main" id="{D43E6C8C-0E1A-41BF-9C39-679C8C7EC8C2}"/>
+                </a:ext>
+              </a:extLst>
+            </p:cNvPr>
+            <p:cNvGrpSpPr/>
+            <p:nvPr/>
+          </p:nvGrpSpPr>
+          <p:grpSpPr>
+            <a:xfrm>
+              <a:off x="4502150" y="666750"/>
+              <a:ext cx="2960167" cy="915988"/>
+              <a:chOff x="4502150" y="666750"/>
+              <a:chExt cx="2960167" cy="915988"/>
+            </a:xfrm>
+          </p:grpSpPr>
+          <p:sp>
+            <p:nvSpPr>
+              <p:cNvPr id="133" name="Google Shape;133;p3"/>
+              <p:cNvSpPr/>
+              <p:nvPr/>
+            </p:nvSpPr>
+            <p:spPr>
+              <a:xfrm>
+                <a:off x="4714053" y="759873"/>
+                <a:ext cx="2748264" cy="757771"/>
+              </a:xfrm>
+              <a:prstGeom prst="roundRect">
+                <a:avLst>
+                  <a:gd name="adj" fmla="val 50000"/>
+                </a:avLst>
+              </a:prstGeom>
+              <a:gradFill>
+                <a:gsLst>
+                  <a:gs pos="0">
+                    <a:srgbClr val="F54D64"/>
+                  </a:gs>
+                  <a:gs pos="85999">
+                    <a:srgbClr val="F62242"/>
+                  </a:gs>
+                  <a:gs pos="100000">
+                    <a:srgbClr val="F62242"/>
+                  </a:gs>
+                </a:gsLst>
+                <a:lin ang="10800000" scaled="0"/>
+              </a:gradFill>
+              <a:ln>
+                <a:noFill/>
+              </a:ln>
+            </p:spPr>
+            <p:txBody>
+              <a:bodyPr spcFirstLastPara="1" wrap="square" lIns="91425" tIns="45700" rIns="91425" bIns="45700" anchor="ctr" anchorCtr="0">
+                <a:noAutofit/>
+              </a:bodyPr>
+              <a:lstStyle/>
+              <a:p>
+                <a:pPr marL="0" marR="0" lvl="0" indent="0" algn="ctr" rtl="0">
+                  <a:spcBef>
+                    <a:spcPts val="0"/>
+                  </a:spcBef>
+                  <a:spcAft>
+                    <a:spcPts val="0"/>
+                  </a:spcAft>
+                  <a:buNone/>
+                </a:pPr>
+                <a:endParaRPr sz="1800">
+                  <a:solidFill>
+                    <a:srgbClr val="FFFFFF"/>
+                  </a:solidFill>
+                  <a:latin typeface="Arial"/>
+                  <a:ea typeface="Arial"/>
+                  <a:cs typeface="Arial"/>
+                  <a:sym typeface="Arial"/>
+                </a:endParaRPr>
+              </a:p>
+            </p:txBody>
+          </p:sp>
+          <p:sp>
+            <p:nvSpPr>
+              <p:cNvPr id="134" name="Google Shape;134;p3"/>
+              <p:cNvSpPr/>
+              <p:nvPr/>
+            </p:nvSpPr>
+            <p:spPr>
+              <a:xfrm>
+                <a:off x="4502150" y="666750"/>
+                <a:ext cx="916160" cy="915988"/>
+              </a:xfrm>
+              <a:prstGeom prst="ellipse">
+                <a:avLst/>
+              </a:prstGeom>
+              <a:solidFill>
+                <a:schemeClr val="lt1"/>
+              </a:solidFill>
+              <a:ln>
+                <a:noFill/>
+              </a:ln>
+            </p:spPr>
+            <p:txBody>
+              <a:bodyPr spcFirstLastPara="1" wrap="square" lIns="91425" tIns="45700" rIns="91425" bIns="45700" anchor="ctr" anchorCtr="0">
+                <a:noAutofit/>
+              </a:bodyPr>
+              <a:lstStyle/>
+              <a:p>
+                <a:pPr marL="0" marR="0" lvl="0" indent="0" algn="ctr" rtl="0">
+                  <a:spcBef>
+                    <a:spcPts val="0"/>
+                  </a:spcBef>
+                  <a:spcAft>
+                    <a:spcPts val="0"/>
+                  </a:spcAft>
+                  <a:buNone/>
+                </a:pPr>
+                <a:endParaRPr sz="1800">
+                  <a:solidFill>
+                    <a:srgbClr val="FFFFFF"/>
+                  </a:solidFill>
+                  <a:latin typeface="Arial"/>
+                  <a:ea typeface="Arial"/>
+                  <a:cs typeface="Arial"/>
+                  <a:sym typeface="Arial"/>
+                </a:endParaRPr>
+              </a:p>
+            </p:txBody>
+          </p:sp>
+        </p:grpSp>
+        <p:pic>
+          <p:nvPicPr>
+            <p:cNvPr id="141" name="Google Shape;141;p3"/>
+            <p:cNvPicPr preferRelativeResize="0"/>
+            <p:nvPr/>
+          </p:nvPicPr>
+          <p:blipFill rotWithShape="1">
+            <a:blip r:embed="rId3">
+              <a:alphaModFix/>
+            </a:blip>
+            <a:srcRect/>
+            <a:stretch/>
+          </p:blipFill>
+          <p:spPr>
+            <a:xfrm>
+              <a:off x="4719638" y="990600"/>
+              <a:ext cx="476250" cy="341313"/>
+            </a:xfrm>
+            <a:prstGeom prst="rect">
+              <a:avLst/>
+            </a:prstGeom>
             <a:noFill/>
-          </a:ln>
-        </p:spPr>
-      </p:pic>
+            <a:ln>
+              <a:noFill/>
+            </a:ln>
+          </p:spPr>
+        </p:pic>
+      </p:grpSp>
       <p:pic>
         <p:nvPicPr>
           <p:cNvPr id="142" name="Google Shape;142;p3" descr="KLWP Live Wallpaper Pro Key Pc - ダウンロード オン Windows 10, 8, 7 (2021 版)"/>
@@ -20875,6 +20855,53 @@
           </a:effectLst>
         </p:spPr>
       </p:pic>
+      <p:sp>
+        <p:nvSpPr>
+          <p:cNvPr id="2" name="标题 1">
+            <a:extLst>
+              <a:ext uri="{FF2B5EF4-FFF2-40B4-BE49-F238E27FC236}">
+                <a16:creationId xmlns:a16="http://schemas.microsoft.com/office/drawing/2014/main" id="{02AC3D15-E646-4876-8C83-2B04E29DA462}"/>
+              </a:ext>
+            </a:extLst>
+          </p:cNvPr>
+          <p:cNvSpPr>
+            <a:spLocks noGrp="1"/>
+          </p:cNvSpPr>
+          <p:nvPr>
+            <p:ph type="ctrTitle"/>
+          </p:nvPr>
+        </p:nvSpPr>
+        <p:spPr>
+          <a:xfrm>
+            <a:off x="5160979" y="838722"/>
+            <a:ext cx="2373649" cy="592901"/>
+          </a:xfrm>
+        </p:spPr>
+        <p:txBody>
+          <a:bodyPr/>
+          <a:lstStyle/>
+          <a:p>
+            <a:pPr>
+              <a:lnSpc>
+                <a:spcPct val="100000"/>
+              </a:lnSpc>
+            </a:pPr>
+            <a:r>
+              <a:rPr lang="zh-CN" altLang="en-US" sz="3200" b="1" dirty="0">
+                <a:solidFill>
+                  <a:schemeClr val="lt1"/>
+                </a:solidFill>
+                <a:latin typeface="Arial"/>
+                <a:ea typeface="Arial"/>
+                <a:cs typeface="Arial"/>
+                <a:sym typeface="Arial"/>
+              </a:rPr>
+              <a:t>必备软件</a:t>
+            </a:r>
+            <a:endParaRPr lang="zh-CN" altLang="en-US" dirty="0"/>
+          </a:p>
+        </p:txBody>
+      </p:sp>
     </p:spTree>
   </p:cSld>
   <p:clrMapOvr>
@@ -22724,7 +22751,7 @@
               <a:buChar char="•"/>
             </a:pPr>
             <a:r>
-              <a:rPr lang="zh-CN" sz="1800" b="1">
+              <a:rPr lang="zh-CN" sz="1800" b="1" dirty="0">
                 <a:solidFill>
                   <a:srgbClr val="7F7F7F"/>
                 </a:solidFill>
@@ -22733,9 +22760,9 @@
                 <a:cs typeface="Arial"/>
                 <a:sym typeface="Arial"/>
               </a:rPr>
-              <a:t>主题安装三步曲</a:t>
+              <a:t>安装三步曲</a:t>
             </a:r>
-            <a:endParaRPr sz="1800" b="1">
+            <a:endParaRPr sz="1800" b="1" dirty="0">
               <a:solidFill>
                 <a:srgbClr val="7F7F7F"/>
               </a:solidFill>
@@ -22789,7 +22816,7 @@
               <a:buChar char="•"/>
             </a:pPr>
             <a:r>
-              <a:rPr lang="zh-CN" sz="1800" b="1">
+              <a:rPr lang="zh-CN" altLang="en-US" sz="1800" b="1" dirty="0">
                 <a:solidFill>
                   <a:srgbClr val="7F7F7F"/>
                 </a:solidFill>
@@ -22798,17 +22825,8 @@
                 <a:cs typeface="Arial"/>
                 <a:sym typeface="Arial"/>
               </a:rPr>
-              <a:t>暂无</a:t>
+              <a:t>全局自定义</a:t>
             </a:r>
-            <a:endParaRPr sz="1800" b="1">
-              <a:solidFill>
-                <a:srgbClr val="7F7F7F"/>
-              </a:solidFill>
-              <a:latin typeface="Arial"/>
-              <a:ea typeface="Arial"/>
-              <a:cs typeface="Arial"/>
-              <a:sym typeface="Arial"/>
-            </a:endParaRPr>
           </a:p>
         </p:txBody>
       </p:sp>
@@ -22840,13 +22858,15 @@
       <p:cxnSp>
         <p:nvCxnSpPr>
           <p:cNvPr id="190" name="Google Shape;190;p6"/>
-          <p:cNvCxnSpPr/>
+          <p:cNvCxnSpPr>
+            <a:cxnSpLocks/>
+          </p:cNvCxnSpPr>
           <p:nvPr/>
         </p:nvCxnSpPr>
         <p:spPr>
           <a:xfrm flipH="1">
-            <a:off x="6096000" y="5365750"/>
-            <a:ext cx="6096000" cy="1492250"/>
+            <a:off x="9512300" y="5365750"/>
+            <a:ext cx="2679700" cy="1492250"/>
           </a:xfrm>
           <a:prstGeom prst="straightConnector1">
             <a:avLst/>
@@ -23057,122 +23077,6 @@
       </p:pic>
       <p:sp>
         <p:nvSpPr>
-          <p:cNvPr id="195" name="Google Shape;195;p6"/>
-          <p:cNvSpPr/>
-          <p:nvPr/>
-        </p:nvSpPr>
-        <p:spPr>
-          <a:xfrm>
-            <a:off x="6096000" y="2827713"/>
-            <a:ext cx="676200" cy="708900"/>
-          </a:xfrm>
-          <a:prstGeom prst="rect">
-            <a:avLst/>
-          </a:prstGeom>
-          <a:noFill/>
-          <a:ln>
-            <a:noFill/>
-          </a:ln>
-        </p:spPr>
-        <p:txBody>
-          <a:bodyPr spcFirstLastPara="1" wrap="square" lIns="91425" tIns="45700" rIns="91425" bIns="45700" anchor="t" anchorCtr="0">
-            <a:spAutoFit/>
-          </a:bodyPr>
-          <a:lstStyle/>
-          <a:p>
-            <a:pPr marL="0" marR="0" lvl="0" indent="0" algn="l" rtl="0">
-              <a:spcBef>
-                <a:spcPts val="0"/>
-              </a:spcBef>
-              <a:spcAft>
-                <a:spcPts val="0"/>
-              </a:spcAft>
-              <a:buNone/>
-            </a:pPr>
-            <a:r>
-              <a:rPr lang="zh-CN" sz="7200">
-                <a:solidFill>
-                  <a:srgbClr val="7F7F7F"/>
-                </a:solidFill>
-                <a:latin typeface="Arial"/>
-                <a:ea typeface="Arial"/>
-                <a:cs typeface="Arial"/>
-                <a:sym typeface="Arial"/>
-              </a:rPr>
-              <a:t>“</a:t>
-            </a:r>
-            <a:endParaRPr sz="7200">
-              <a:solidFill>
-                <a:srgbClr val="7F7F7F"/>
-              </a:solidFill>
-              <a:latin typeface="Meiryo"/>
-              <a:ea typeface="Meiryo"/>
-              <a:cs typeface="Meiryo"/>
-              <a:sym typeface="Meiryo"/>
-            </a:endParaRPr>
-          </a:p>
-        </p:txBody>
-      </p:sp>
-      <p:sp>
-        <p:nvSpPr>
-          <p:cNvPr id="196" name="Google Shape;196;p6"/>
-          <p:cNvSpPr/>
-          <p:nvPr/>
-        </p:nvSpPr>
-        <p:spPr>
-          <a:xfrm>
-            <a:off x="9669425" y="4972050"/>
-            <a:ext cx="676200" cy="708900"/>
-          </a:xfrm>
-          <a:prstGeom prst="rect">
-            <a:avLst/>
-          </a:prstGeom>
-          <a:noFill/>
-          <a:ln>
-            <a:noFill/>
-          </a:ln>
-        </p:spPr>
-        <p:txBody>
-          <a:bodyPr spcFirstLastPara="1" wrap="square" lIns="91425" tIns="45700" rIns="91425" bIns="45700" anchor="t" anchorCtr="0">
-            <a:spAutoFit/>
-          </a:bodyPr>
-          <a:lstStyle/>
-          <a:p>
-            <a:pPr marL="0" marR="0" lvl="0" indent="0" algn="l" rtl="0">
-              <a:spcBef>
-                <a:spcPts val="0"/>
-              </a:spcBef>
-              <a:spcAft>
-                <a:spcPts val="0"/>
-              </a:spcAft>
-              <a:buNone/>
-            </a:pPr>
-            <a:r>
-              <a:rPr lang="zh-CN" sz="7200">
-                <a:solidFill>
-                  <a:srgbClr val="7F7F7F"/>
-                </a:solidFill>
-                <a:latin typeface="Arial"/>
-                <a:ea typeface="Arial"/>
-                <a:cs typeface="Arial"/>
-                <a:sym typeface="Arial"/>
-              </a:rPr>
-              <a:t>”</a:t>
-            </a:r>
-            <a:endParaRPr sz="7200">
-              <a:solidFill>
-                <a:srgbClr val="7F7F7F"/>
-              </a:solidFill>
-              <a:latin typeface="Meiryo"/>
-              <a:ea typeface="Meiryo"/>
-              <a:cs typeface="Meiryo"/>
-              <a:sym typeface="Meiryo"/>
-            </a:endParaRPr>
-          </a:p>
-        </p:txBody>
-      </p:sp>
-      <p:sp>
-        <p:nvSpPr>
           <p:cNvPr id="197" name="Google Shape;197;p6"/>
           <p:cNvSpPr/>
           <p:nvPr/>
@@ -23221,264 +23125,380 @@
           </a:p>
         </p:txBody>
       </p:sp>
-      <p:sp>
-        <p:nvSpPr>
-          <p:cNvPr id="198" name="Google Shape;198;p6"/>
-          <p:cNvSpPr/>
+      <p:grpSp>
+        <p:nvGrpSpPr>
+          <p:cNvPr id="2" name="组合 1">
+            <a:extLst>
+              <a:ext uri="{FF2B5EF4-FFF2-40B4-BE49-F238E27FC236}">
+                <a16:creationId xmlns:a16="http://schemas.microsoft.com/office/drawing/2014/main" id="{4597D0CE-3EC3-4F22-A260-B331BAA8F449}"/>
+              </a:ext>
+            </a:extLst>
+          </p:cNvPr>
+          <p:cNvGrpSpPr/>
           <p:nvPr/>
-        </p:nvSpPr>
-        <p:spPr>
+        </p:nvGrpSpPr>
+        <p:grpSpPr>
           <a:xfrm>
-            <a:off x="6969125" y="3181350"/>
-            <a:ext cx="2700300" cy="1908300"/>
+            <a:off x="6096000" y="2827713"/>
+            <a:ext cx="4665785" cy="3687456"/>
+            <a:chOff x="6096000" y="2827713"/>
+            <a:chExt cx="4151369" cy="3687456"/>
           </a:xfrm>
-          <a:prstGeom prst="rect">
-            <a:avLst/>
-          </a:prstGeom>
-          <a:noFill/>
-          <a:ln>
+        </p:grpSpPr>
+        <p:sp>
+          <p:nvSpPr>
+            <p:cNvPr id="195" name="Google Shape;195;p6"/>
+            <p:cNvSpPr/>
+            <p:nvPr/>
+          </p:nvSpPr>
+          <p:spPr>
+            <a:xfrm>
+              <a:off x="6096000" y="2827713"/>
+              <a:ext cx="553962" cy="1200288"/>
+            </a:xfrm>
+            <a:prstGeom prst="rect">
+              <a:avLst/>
+            </a:prstGeom>
             <a:noFill/>
-          </a:ln>
-        </p:spPr>
-        <p:txBody>
-          <a:bodyPr spcFirstLastPara="1" wrap="square" lIns="91425" tIns="45700" rIns="91425" bIns="45700" anchor="t" anchorCtr="0">
-            <a:spAutoFit/>
-          </a:bodyPr>
-          <a:lstStyle/>
-          <a:p>
-            <a:pPr marL="0" marR="0" lvl="0" indent="0" algn="l" rtl="0">
-              <a:spcBef>
-                <a:spcPts val="0"/>
-              </a:spcBef>
-              <a:spcAft>
-                <a:spcPts val="0"/>
-              </a:spcAft>
-              <a:buNone/>
-            </a:pPr>
-            <a:r>
-              <a:rPr lang="zh-CN" sz="2000" b="1">
-                <a:solidFill>
-                  <a:srgbClr val="FFC104"/>
+            <a:ln>
+              <a:noFill/>
+            </a:ln>
+          </p:spPr>
+          <p:txBody>
+            <a:bodyPr spcFirstLastPara="1" wrap="square" lIns="91425" tIns="45700" rIns="91425" bIns="45700" anchor="t" anchorCtr="0">
+              <a:spAutoFit/>
+            </a:bodyPr>
+            <a:lstStyle/>
+            <a:p>
+              <a:pPr marL="0" marR="0" lvl="0" indent="0" algn="l" rtl="0">
+                <a:spcBef>
+                  <a:spcPts val="0"/>
+                </a:spcBef>
+                <a:spcAft>
+                  <a:spcPts val="0"/>
+                </a:spcAft>
+                <a:buNone/>
+              </a:pPr>
+              <a:r>
+                <a:rPr lang="zh-CN" sz="7200" dirty="0">
+                  <a:solidFill>
+                    <a:srgbClr val="7F7F7F"/>
+                  </a:solidFill>
+                  <a:latin typeface="Arial"/>
+                  <a:ea typeface="Arial"/>
+                  <a:cs typeface="Arial"/>
+                  <a:sym typeface="Arial"/>
+                </a:rPr>
+                <a:t>“</a:t>
+              </a:r>
+              <a:endParaRPr sz="7200" dirty="0">
+                <a:solidFill>
+                  <a:srgbClr val="7F7F7F"/>
+                </a:solidFill>
+                <a:latin typeface="Meiryo"/>
+                <a:ea typeface="Meiryo"/>
+                <a:cs typeface="Meiryo"/>
+                <a:sym typeface="Meiryo"/>
+              </a:endParaRPr>
+            </a:p>
+          </p:txBody>
+        </p:sp>
+        <p:sp>
+          <p:nvSpPr>
+            <p:cNvPr id="196" name="Google Shape;196;p6"/>
+            <p:cNvSpPr/>
+            <p:nvPr/>
+          </p:nvSpPr>
+          <p:spPr>
+            <a:xfrm>
+              <a:off x="9729806" y="5314881"/>
+              <a:ext cx="517563" cy="1200288"/>
+            </a:xfrm>
+            <a:prstGeom prst="rect">
+              <a:avLst/>
+            </a:prstGeom>
+            <a:noFill/>
+            <a:ln>
+              <a:noFill/>
+            </a:ln>
+          </p:spPr>
+          <p:txBody>
+            <a:bodyPr spcFirstLastPara="1" wrap="square" lIns="91425" tIns="45700" rIns="91425" bIns="45700" anchor="t" anchorCtr="0">
+              <a:spAutoFit/>
+            </a:bodyPr>
+            <a:lstStyle/>
+            <a:p>
+              <a:pPr marL="0" marR="0" lvl="0" indent="0" algn="l" rtl="0">
+                <a:spcBef>
+                  <a:spcPts val="0"/>
+                </a:spcBef>
+                <a:spcAft>
+                  <a:spcPts val="0"/>
+                </a:spcAft>
+                <a:buNone/>
+              </a:pPr>
+              <a:r>
+                <a:rPr lang="zh-CN" sz="7200" dirty="0">
+                  <a:solidFill>
+                    <a:srgbClr val="7F7F7F"/>
+                  </a:solidFill>
+                  <a:latin typeface="Arial"/>
+                  <a:ea typeface="Arial"/>
+                  <a:cs typeface="Arial"/>
+                  <a:sym typeface="Arial"/>
+                </a:rPr>
+                <a:t>”</a:t>
+              </a:r>
+              <a:endParaRPr sz="7200" dirty="0">
+                <a:solidFill>
+                  <a:srgbClr val="7F7F7F"/>
+                </a:solidFill>
+                <a:latin typeface="Meiryo"/>
+                <a:ea typeface="Meiryo"/>
+                <a:cs typeface="Meiryo"/>
+                <a:sym typeface="Meiryo"/>
+              </a:endParaRPr>
+            </a:p>
+          </p:txBody>
+        </p:sp>
+        <p:sp>
+          <p:nvSpPr>
+            <p:cNvPr id="198" name="Google Shape;198;p6"/>
+            <p:cNvSpPr/>
+            <p:nvPr/>
+          </p:nvSpPr>
+          <p:spPr>
+            <a:xfrm>
+              <a:off x="6969125" y="3181350"/>
+              <a:ext cx="2700300" cy="2400617"/>
+            </a:xfrm>
+            <a:prstGeom prst="rect">
+              <a:avLst/>
+            </a:prstGeom>
+            <a:noFill/>
+            <a:ln>
+              <a:noFill/>
+            </a:ln>
+          </p:spPr>
+          <p:txBody>
+            <a:bodyPr spcFirstLastPara="1" wrap="square" lIns="91425" tIns="45700" rIns="91425" bIns="45700" anchor="t" anchorCtr="0">
+              <a:spAutoFit/>
+            </a:bodyPr>
+            <a:lstStyle/>
+            <a:p>
+              <a:pPr marL="0" marR="0" lvl="0" indent="0" algn="l" rtl="0">
+                <a:spcBef>
+                  <a:spcPts val="0"/>
+                </a:spcBef>
+                <a:spcAft>
+                  <a:spcPts val="0"/>
+                </a:spcAft>
+                <a:buNone/>
+              </a:pPr>
+              <a:r>
+                <a:rPr lang="zh-CN" sz="2000" b="1" dirty="0">
+                  <a:solidFill>
+                    <a:srgbClr val="FFC104"/>
+                  </a:solidFill>
+                  <a:latin typeface="Arial"/>
+                  <a:ea typeface="Arial"/>
+                  <a:cs typeface="Arial"/>
+                  <a:sym typeface="Arial"/>
+                </a:rPr>
+                <a:t>解压安装包</a:t>
+              </a:r>
+              <a:r>
+                <a:rPr lang="zh-CN" sz="2000" b="1" dirty="0">
+                  <a:solidFill>
+                    <a:srgbClr val="7F7F7F"/>
+                  </a:solidFill>
+                  <a:latin typeface="Arial"/>
+                  <a:ea typeface="Arial"/>
+                  <a:cs typeface="Arial"/>
+                  <a:sym typeface="Arial"/>
+                </a:rPr>
+                <a:t>后：</a:t>
+              </a:r>
+              <a:endParaRPr sz="2000" b="1" dirty="0">
+                <a:solidFill>
+                  <a:srgbClr val="7F7F7F"/>
                 </a:solidFill>
                 <a:latin typeface="Arial"/>
                 <a:ea typeface="Arial"/>
                 <a:cs typeface="Arial"/>
                 <a:sym typeface="Arial"/>
-              </a:rPr>
-              <a:t>解压安装包</a:t>
-            </a:r>
-            <a:r>
-              <a:rPr lang="zh-CN" sz="2000" b="1">
-                <a:solidFill>
+              </a:endParaRPr>
+            </a:p>
+            <a:p>
+              <a:pPr marL="342900" lvl="1" indent="-342900">
+                <a:buClr>
                   <a:srgbClr val="7F7F7F"/>
+                </a:buClr>
+                <a:buSzPts val="2000"/>
+                <a:buFont typeface="+mj-lt"/>
+                <a:buAutoNum type="arabicPeriod"/>
+              </a:pPr>
+              <a:r>
+                <a:rPr lang="zh-CN" altLang="en-US" sz="2000" b="1" dirty="0">
+                  <a:solidFill>
+                    <a:srgbClr val="FFC104"/>
+                  </a:solidFill>
+                  <a:latin typeface="Arial"/>
+                  <a:ea typeface="Arial"/>
+                  <a:cs typeface="Arial"/>
+                  <a:sym typeface="Arial"/>
+                </a:rPr>
+                <a:t>必装</a:t>
+              </a:r>
+              <a:endParaRPr lang="en-US" altLang="zh-CN" sz="2000" b="1" dirty="0">
+                <a:solidFill>
+                  <a:srgbClr val="FFC104"/>
                 </a:solidFill>
                 <a:latin typeface="Arial"/>
                 <a:ea typeface="Arial"/>
                 <a:cs typeface="Arial"/>
                 <a:sym typeface="Arial"/>
-              </a:rPr>
-              <a:t>后安装：</a:t>
-            </a:r>
-            <a:endParaRPr sz="2000" b="1">
-              <a:solidFill>
-                <a:srgbClr val="7F7F7F"/>
-              </a:solidFill>
-              <a:latin typeface="Arial"/>
-              <a:ea typeface="Arial"/>
-              <a:cs typeface="Arial"/>
-              <a:sym typeface="Arial"/>
-            </a:endParaRPr>
-          </a:p>
-          <a:p>
-            <a:pPr marL="285750" marR="0" lvl="0" indent="-285750" algn="l" rtl="0">
-              <a:spcBef>
-                <a:spcPts val="0"/>
-              </a:spcBef>
-              <a:spcAft>
-                <a:spcPts val="0"/>
-              </a:spcAft>
-              <a:buClr>
-                <a:srgbClr val="7F7F7F"/>
-              </a:buClr>
-              <a:buSzPts val="2000"/>
-              <a:buFont typeface="Noto Sans Symbols"/>
-              <a:buChar char="●"/>
-            </a:pPr>
-            <a:r>
-              <a:rPr lang="zh-CN" sz="2000" b="1">
-                <a:solidFill>
+              </a:endParaRPr>
+            </a:p>
+            <a:p>
+              <a:pPr marL="342900" lvl="2" indent="-342900">
+                <a:buClr>
                   <a:srgbClr val="7F7F7F"/>
+                </a:buClr>
+                <a:buSzPts val="2000"/>
+                <a:buFont typeface="+mj-ea"/>
+                <a:buAutoNum type="circleNumDbPlain"/>
+              </a:pPr>
+              <a:r>
+                <a:rPr lang="en-US" altLang="zh-CN" sz="1800" b="1" dirty="0">
+                  <a:solidFill>
+                    <a:srgbClr val="7F7F7F"/>
+                  </a:solidFill>
+                </a:rPr>
+                <a:t>KLWP</a:t>
+              </a:r>
+            </a:p>
+            <a:p>
+              <a:pPr marL="342900" lvl="1" indent="-342900">
+                <a:buClr>
+                  <a:srgbClr val="7F7F7F"/>
+                </a:buClr>
+                <a:buSzPts val="2000"/>
+                <a:buFont typeface="+mj-ea"/>
+                <a:buAutoNum type="arabicPeriod"/>
+              </a:pPr>
+              <a:r>
+                <a:rPr lang="zh-CN" altLang="en-US" sz="2000" b="1" dirty="0">
+                  <a:solidFill>
+                    <a:srgbClr val="FFC104"/>
+                  </a:solidFill>
+                </a:rPr>
+                <a:t>可选安装</a:t>
+              </a:r>
+              <a:endParaRPr lang="en-US" altLang="zh-CN" sz="2000" b="1" dirty="0">
+                <a:solidFill>
+                  <a:srgbClr val="FFC104"/>
+                </a:solidFill>
+              </a:endParaRPr>
+            </a:p>
+            <a:p>
+              <a:pPr marL="342900" lvl="2" indent="-342900">
+                <a:buClr>
+                  <a:srgbClr val="7F7F7F"/>
+                </a:buClr>
+                <a:buSzPts val="2000"/>
+                <a:buFont typeface="+mj-ea"/>
+                <a:buAutoNum type="circleNumDbPlain"/>
+              </a:pPr>
+              <a:r>
+                <a:rPr lang="en-US" altLang="zh-CN" sz="1800" b="1" dirty="0">
+                  <a:solidFill>
+                    <a:srgbClr val="7F7F7F"/>
+                  </a:solidFill>
+                </a:rPr>
+                <a:t>KWGT </a:t>
+              </a:r>
+            </a:p>
+            <a:p>
+              <a:pPr marL="342900" lvl="2" indent="-342900">
+                <a:buClr>
+                  <a:srgbClr val="7F7F7F"/>
+                </a:buClr>
+                <a:buSzPts val="2000"/>
+                <a:buFont typeface="+mj-ea"/>
+                <a:buAutoNum type="circleNumDbPlain"/>
+              </a:pPr>
+              <a:r>
+                <a:rPr lang="en-US" altLang="zh-CN" sz="1800" b="1" dirty="0">
+                  <a:solidFill>
+                    <a:srgbClr val="7F7F7F"/>
+                  </a:solidFill>
+                </a:rPr>
+                <a:t>Nova Launcher </a:t>
+              </a:r>
+            </a:p>
+            <a:p>
+              <a:pPr marL="342900" lvl="2" indent="-342900">
+                <a:buClr>
+                  <a:srgbClr val="7F7F7F"/>
+                </a:buClr>
+                <a:buSzPts val="2000"/>
+                <a:buFont typeface="+mj-ea"/>
+                <a:buAutoNum type="circleNumDbPlain"/>
+              </a:pPr>
+              <a:r>
+                <a:rPr lang="en-US" altLang="zh-CN" sz="1800" b="1" dirty="0">
+                  <a:solidFill>
+                    <a:srgbClr val="7F7F7F"/>
+                  </a:solidFill>
+                </a:rPr>
+                <a:t>ES</a:t>
+              </a:r>
+              <a:r>
+                <a:rPr lang="zh-CN" altLang="en-US" sz="1800" b="1" dirty="0">
+                  <a:solidFill>
+                    <a:srgbClr val="7F7F7F"/>
+                  </a:solidFill>
+                </a:rPr>
+                <a:t>文件管理器</a:t>
+              </a:r>
+              <a:endParaRPr lang="en-US" altLang="zh-CN" sz="1800" b="1" dirty="0">
+                <a:solidFill>
+                  <a:srgbClr val="7F7F7F"/>
+                </a:solidFill>
+              </a:endParaRPr>
+            </a:p>
+            <a:p>
+              <a:pPr marL="285750" marR="0" lvl="0" indent="-285750" algn="l" rtl="0">
+                <a:spcBef>
+                  <a:spcPts val="0"/>
+                </a:spcBef>
+                <a:spcAft>
+                  <a:spcPts val="0"/>
+                </a:spcAft>
+                <a:buNone/>
+              </a:pPr>
+              <a:r>
+                <a:rPr lang="zh-CN" sz="1800" b="1" dirty="0">
+                  <a:solidFill>
+                    <a:srgbClr val="EB6715"/>
+                  </a:solidFill>
+                </a:rPr>
+                <a:t>软件必须打开所有权限</a:t>
+              </a:r>
+              <a:endParaRPr sz="1800" b="1" dirty="0">
+                <a:solidFill>
+                  <a:srgbClr val="EB6715"/>
                 </a:solidFill>
                 <a:latin typeface="Arial"/>
                 <a:ea typeface="Arial"/>
                 <a:cs typeface="Arial"/>
                 <a:sym typeface="Arial"/>
-              </a:rPr>
-              <a:t>KLWP</a:t>
-            </a:r>
-            <a:r>
-              <a:rPr lang="zh-CN" sz="1600" b="1">
-                <a:solidFill>
-                  <a:srgbClr val="FEDE64"/>
-                </a:solidFill>
-                <a:latin typeface="Arial"/>
-                <a:ea typeface="Arial"/>
-                <a:cs typeface="Arial"/>
-                <a:sym typeface="Arial"/>
-              </a:rPr>
-              <a:t>(</a:t>
-            </a:r>
-            <a:r>
-              <a:rPr lang="zh-CN" sz="1600" b="1">
-                <a:solidFill>
-                  <a:srgbClr val="FFC104"/>
-                </a:solidFill>
-                <a:latin typeface="Arial"/>
-                <a:ea typeface="Arial"/>
-                <a:cs typeface="Arial"/>
-                <a:sym typeface="Arial"/>
-              </a:rPr>
-              <a:t>必装</a:t>
-            </a:r>
-            <a:r>
-              <a:rPr lang="zh-CN" sz="1600" b="1">
-                <a:solidFill>
-                  <a:srgbClr val="FEDE64"/>
-                </a:solidFill>
-                <a:latin typeface="Arial"/>
-                <a:ea typeface="Arial"/>
-                <a:cs typeface="Arial"/>
-                <a:sym typeface="Arial"/>
-              </a:rPr>
-              <a:t>)</a:t>
-            </a:r>
-            <a:endParaRPr/>
-          </a:p>
-          <a:p>
-            <a:pPr marL="285750" marR="0" lvl="0" indent="-285750" algn="l" rtl="0">
-              <a:spcBef>
-                <a:spcPts val="0"/>
-              </a:spcBef>
-              <a:spcAft>
-                <a:spcPts val="0"/>
-              </a:spcAft>
-              <a:buClr>
-                <a:srgbClr val="7F7F7F"/>
-              </a:buClr>
-              <a:buSzPts val="2000"/>
-              <a:buFont typeface="Noto Sans Symbols"/>
-              <a:buChar char="●"/>
-            </a:pPr>
-            <a:r>
-              <a:rPr lang="zh-CN" sz="2000" b="1">
-                <a:solidFill>
-                  <a:srgbClr val="7F7F7F"/>
-                </a:solidFill>
-                <a:latin typeface="Arial"/>
-                <a:ea typeface="Arial"/>
-                <a:cs typeface="Arial"/>
-                <a:sym typeface="Arial"/>
-              </a:rPr>
-              <a:t>KWGT</a:t>
-            </a:r>
-            <a:endParaRPr/>
-          </a:p>
-          <a:p>
-            <a:pPr marL="285750" marR="0" lvl="0" indent="-285750" algn="l" rtl="0">
-              <a:spcBef>
-                <a:spcPts val="0"/>
-              </a:spcBef>
-              <a:spcAft>
-                <a:spcPts val="0"/>
-              </a:spcAft>
-              <a:buClr>
-                <a:srgbClr val="7F7F7F"/>
-              </a:buClr>
-              <a:buSzPts val="2000"/>
-              <a:buFont typeface="Noto Sans Symbols"/>
-              <a:buChar char="●"/>
-            </a:pPr>
-            <a:r>
-              <a:rPr lang="zh-CN" sz="2000" b="1">
-                <a:solidFill>
-                  <a:srgbClr val="7F7F7F"/>
-                </a:solidFill>
-                <a:latin typeface="Arial"/>
-                <a:ea typeface="Arial"/>
-                <a:cs typeface="Arial"/>
-                <a:sym typeface="Arial"/>
-              </a:rPr>
-              <a:t>Nova Launcher</a:t>
-            </a:r>
-            <a:endParaRPr/>
-          </a:p>
-          <a:p>
-            <a:pPr marL="285750" marR="0" lvl="0" indent="-285750" algn="l" rtl="0">
-              <a:spcBef>
-                <a:spcPts val="0"/>
-              </a:spcBef>
-              <a:spcAft>
-                <a:spcPts val="0"/>
-              </a:spcAft>
-              <a:buClr>
-                <a:srgbClr val="7F7F7F"/>
-              </a:buClr>
-              <a:buSzPts val="2000"/>
-              <a:buFont typeface="Noto Sans Symbols"/>
-              <a:buChar char="●"/>
-            </a:pPr>
-            <a:r>
-              <a:rPr lang="zh-CN" sz="2000" b="1">
-                <a:solidFill>
-                  <a:srgbClr val="7F7F7F"/>
-                </a:solidFill>
-                <a:latin typeface="Arial"/>
-                <a:ea typeface="Arial"/>
-                <a:cs typeface="Arial"/>
-                <a:sym typeface="Arial"/>
-              </a:rPr>
-              <a:t>ES文件管理器</a:t>
-            </a:r>
-            <a:endParaRPr sz="1800" b="1">
-              <a:solidFill>
-                <a:srgbClr val="FFC000"/>
-              </a:solidFill>
-              <a:latin typeface="Arial"/>
-              <a:ea typeface="Arial"/>
-              <a:cs typeface="Arial"/>
-              <a:sym typeface="Arial"/>
-            </a:endParaRPr>
-          </a:p>
-          <a:p>
-            <a:pPr marL="285750" marR="0" lvl="0" indent="-285750" algn="l" rtl="0">
-              <a:spcBef>
-                <a:spcPts val="0"/>
-              </a:spcBef>
-              <a:spcAft>
-                <a:spcPts val="0"/>
-              </a:spcAft>
-              <a:buNone/>
-            </a:pPr>
-            <a:r>
-              <a:rPr lang="zh-CN" sz="1800" b="1">
-                <a:solidFill>
-                  <a:srgbClr val="FFC000"/>
-                </a:solidFill>
-              </a:rPr>
-              <a:t>软件必须打开所有权限</a:t>
-            </a:r>
-            <a:endParaRPr sz="1800" b="1">
-              <a:solidFill>
-                <a:srgbClr val="FFC000"/>
-              </a:solidFill>
-              <a:latin typeface="Arial"/>
-              <a:ea typeface="Arial"/>
-              <a:cs typeface="Arial"/>
-              <a:sym typeface="Arial"/>
-            </a:endParaRPr>
-          </a:p>
-        </p:txBody>
-      </p:sp>
+              </a:endParaRPr>
+            </a:p>
+          </p:txBody>
+        </p:sp>
+      </p:grpSp>
       <p:sp>
         <p:nvSpPr>
           <p:cNvPr id="199" name="Google Shape;199;p6"/>
